--- a/2023-04-28 - Build your ICJ project in a day.pptx
+++ b/2023-04-28 - Build your ICJ project in a day.pptx
@@ -6,10 +6,10 @@
     <p:sldMasterId id="2147484770" r:id="rId2"/>
   </p:sldMasterIdLst>
   <p:notesMasterIdLst>
-    <p:notesMasterId r:id="rId48"/>
+    <p:notesMasterId r:id="rId49"/>
   </p:notesMasterIdLst>
   <p:handoutMasterIdLst>
-    <p:handoutMasterId r:id="rId49"/>
+    <p:handoutMasterId r:id="rId50"/>
   </p:handoutMasterIdLst>
   <p:sldIdLst>
     <p:sldId id="257" r:id="rId3"/>
@@ -55,8 +55,9 @@
     <p:sldId id="4162" r:id="rId43"/>
     <p:sldId id="4167" r:id="rId44"/>
     <p:sldId id="4181" r:id="rId45"/>
-    <p:sldId id="4308" r:id="rId46"/>
-    <p:sldId id="4309" r:id="rId47"/>
+    <p:sldId id="4310" r:id="rId46"/>
+    <p:sldId id="4308" r:id="rId47"/>
+    <p:sldId id="4309" r:id="rId48"/>
   </p:sldIdLst>
   <p:sldSz cx="12192000" cy="6858000"/>
   <p:notesSz cx="6858000" cy="9144000"/>
@@ -203,6 +204,7 @@
             <p14:sldId id="4162"/>
             <p14:sldId id="4167"/>
             <p14:sldId id="4181"/>
+            <p14:sldId id="4310"/>
             <p14:sldId id="4308"/>
             <p14:sldId id="4309"/>
           </p14:sldIdLst>
@@ -239,6 +241,7 @@
 <file path=ppt/revisionInfo.xml><?xml version="1.0" encoding="utf-8"?>
 <p1510:revInfo xmlns:a="http://schemas.openxmlformats.org/drawingml/2006/main" xmlns:r="http://schemas.openxmlformats.org/officeDocument/2006/relationships" xmlns:p1510="http://schemas.microsoft.com/office/powerpoint/2015/10/main">
   <p1510:revLst>
+    <p1510:client id="{2ACCB48D-A82B-4085-B64E-EA4E8B12EBF9}" v="1" dt="2023-04-27T20:55:22.591"/>
     <p1510:client id="{B5EACA80-6B65-45F0-B75D-903092F19C63}" v="370" dt="2023-04-27T20:50:46.103"/>
   </p1510:revLst>
 </p1510:revInfo>
@@ -3232,7 +3235,7 @@
               <a:rPr lang="en-US" smtClean="0">
                 <a:latin typeface="Segoe UI" pitchFamily="34" charset="0"/>
               </a:rPr>
-              <a:t>4/27/2023 10:30 PM</a:t>
+              <a:t>4/27/2023 11:55 PM</a:t>
             </a:fld>
             <a:endParaRPr lang="en-US" dirty="0">
               <a:latin typeface="Segoe UI" pitchFamily="34" charset="0"/>
@@ -3541,7 +3544,7 @@
           <a:p>
             <a:fld id="{386CE63F-9E7F-4C04-9D0D-FCA25A8E9E86}" type="datetime8">
               <a:rPr lang="en-US" smtClean="0"/>
-              <a:t>4/27/2023 10:14 PM</a:t>
+              <a:t>4/27/2023 11:54 PM</a:t>
             </a:fld>
             <a:endParaRPr lang="en-US" dirty="0"/>
           </a:p>
@@ -3944,7 +3947,7 @@
           <a:p>
             <a:fld id="{386CE63F-9E7F-4C04-9D0D-FCA25A8E9E86}" type="datetime8">
               <a:rPr lang="en-US" smtClean="0"/>
-              <a:t>4/27/2023 11:20 PM</a:t>
+              <a:t>4/27/2023 11:54 PM</a:t>
             </a:fld>
             <a:endParaRPr lang="en-US"/>
           </a:p>
@@ -5023,7 +5026,7 @@
                 <a:tabLst/>
                 <a:defRPr/>
               </a:pPr>
-              <a:t>4/27/2023 10:14 PM</a:t>
+              <a:t>4/27/2023 11:54 PM</a:t>
             </a:fld>
             <a:endParaRPr kumimoji="0" lang="en-US" sz="1200" b="0" i="0" u="none" strike="noStrike" kern="1200" cap="none" spc="0" normalizeH="0" baseline="0" noProof="0">
               <a:ln>
@@ -5300,7 +5303,7 @@
           <a:p>
             <a:fld id="{386CE63F-9E7F-4C04-9D0D-FCA25A8E9E86}" type="datetime8">
               <a:rPr lang="en-US" smtClean="0"/>
-              <a:t>4/27/2023 11:09 PM</a:t>
+              <a:t>4/27/2023 11:54 PM</a:t>
             </a:fld>
             <a:endParaRPr lang="en-US"/>
           </a:p>
@@ -5505,7 +5508,7 @@
           <a:p>
             <a:fld id="{386CE63F-9E7F-4C04-9D0D-FCA25A8E9E86}" type="datetime8">
               <a:rPr lang="en-US" smtClean="0"/>
-              <a:t>4/27/2023 11:00 PM</a:t>
+              <a:t>4/27/2023 11:54 PM</a:t>
             </a:fld>
             <a:endParaRPr lang="en-US"/>
           </a:p>
@@ -5817,7 +5820,7 @@
           <a:p>
             <a:fld id="{386CE63F-9E7F-4C04-9D0D-FCA25A8E9E86}" type="datetime8">
               <a:rPr lang="en-US" smtClean="0"/>
-              <a:t>4/27/2023 11:35 PM</a:t>
+              <a:t>4/27/2023 11:54 PM</a:t>
             </a:fld>
             <a:endParaRPr lang="en-US" dirty="0"/>
           </a:p>
@@ -5998,7 +6001,7 @@
           <a:p>
             <a:fld id="{386CE63F-9E7F-4C04-9D0D-FCA25A8E9E86}" type="datetime8">
               <a:rPr lang="en-US" smtClean="0"/>
-              <a:t>4/27/2023 10:14 PM</a:t>
+              <a:t>4/27/2023 11:54 PM</a:t>
             </a:fld>
             <a:endParaRPr lang="en-US" dirty="0"/>
           </a:p>
@@ -6179,7 +6182,7 @@
           <a:p>
             <a:fld id="{386CE63F-9E7F-4C04-9D0D-FCA25A8E9E86}" type="datetime8">
               <a:rPr lang="en-US" smtClean="0"/>
-              <a:t>4/27/2023 11:49 PM</a:t>
+              <a:t>4/27/2023 11:54 PM</a:t>
             </a:fld>
             <a:endParaRPr lang="en-US" dirty="0"/>
           </a:p>
@@ -6203,7 +6206,7 @@
             <a:fld id="{B4008EB6-D09E-4580-8CD6-DDB14511944F}" type="slidenum">
               <a:rPr lang="en-US" smtClean="0"/>
               <a:pPr/>
-              <a:t>44</a:t>
+              <a:t>45</a:t>
             </a:fld>
             <a:endParaRPr lang="en-US" dirty="0"/>
           </a:p>
@@ -6380,7 +6383,7 @@
           <a:p>
             <a:fld id="{386CE63F-9E7F-4C04-9D0D-FCA25A8E9E86}" type="datetime8">
               <a:rPr lang="en-US" smtClean="0"/>
-              <a:t>4/27/2023 10:56 PM</a:t>
+              <a:t>4/27/2023 11:54 PM</a:t>
             </a:fld>
             <a:endParaRPr lang="en-US"/>
           </a:p>
@@ -36525,6 +36528,232 @@
       </p:grpSpPr>
       <p:sp>
         <p:nvSpPr>
+          <p:cNvPr id="6" name="TextBox 5">
+            <a:extLst>
+              <a:ext uri="{FF2B5EF4-FFF2-40B4-BE49-F238E27FC236}">
+                <a16:creationId xmlns:a16="http://schemas.microsoft.com/office/drawing/2014/main" id="{90739EDD-A89A-164B-A8CD-E44E07AC53D4}"/>
+              </a:ext>
+            </a:extLst>
+          </p:cNvPr>
+          <p:cNvSpPr txBox="1"/>
+          <p:nvPr/>
+        </p:nvSpPr>
+        <p:spPr>
+          <a:xfrm>
+            <a:off x="524461" y="2530140"/>
+            <a:ext cx="8246790" cy="1569660"/>
+          </a:xfrm>
+          <a:prstGeom prst="rect">
+            <a:avLst/>
+          </a:prstGeom>
+          <a:noFill/>
+        </p:spPr>
+        <p:txBody>
+          <a:bodyPr wrap="square" rtlCol="0">
+            <a:spAutoFit/>
+          </a:bodyPr>
+          <a:lstStyle/>
+          <a:p>
+            <a:pPr marL="0" marR="0" lvl="0" indent="0" algn="l" defTabSz="914367" rtl="0" eaLnBrk="1" fontAlgn="auto" latinLnBrk="0" hangingPunct="1">
+              <a:lnSpc>
+                <a:spcPct val="100000"/>
+              </a:lnSpc>
+              <a:spcBef>
+                <a:spcPts val="0"/>
+              </a:spcBef>
+              <a:spcAft>
+                <a:spcPts val="0"/>
+              </a:spcAft>
+              <a:buClrTx/>
+              <a:buSzTx/>
+              <a:buFontTx/>
+              <a:buNone/>
+              <a:tabLst/>
+              <a:defRPr/>
+            </a:pPr>
+            <a:r>
+              <a:rPr kumimoji="0" lang="en-US" sz="2400" b="0" i="0" u="none" strike="noStrike" kern="1200" cap="none" spc="0" normalizeH="0" baseline="0" noProof="0" dirty="0">
+                <a:ln>
+                  <a:noFill/>
+                </a:ln>
+                <a:solidFill>
+                  <a:schemeClr val="bg1"/>
+                </a:solidFill>
+                <a:effectLst/>
+                <a:uLnTx/>
+                <a:uFillTx/>
+                <a:latin typeface="Segoe UI Semibold"/>
+                <a:ea typeface="+mn-ea"/>
+                <a:cs typeface="+mn-cs"/>
+              </a:rPr>
+              <a:t>it</a:t>
+            </a:r>
+          </a:p>
+          <a:p>
+            <a:pPr marL="0" marR="0" lvl="0" indent="0" algn="l" defTabSz="914367" rtl="0" eaLnBrk="1" fontAlgn="auto" latinLnBrk="0" hangingPunct="1">
+              <a:lnSpc>
+                <a:spcPct val="100000"/>
+              </a:lnSpc>
+              <a:spcBef>
+                <a:spcPts val="0"/>
+              </a:spcBef>
+              <a:spcAft>
+                <a:spcPts val="0"/>
+              </a:spcAft>
+              <a:buClrTx/>
+              <a:buSzTx/>
+              <a:buFontTx/>
+              <a:buNone/>
+              <a:tabLst/>
+              <a:defRPr/>
+            </a:pPr>
+            <a:endParaRPr lang="en-US" sz="2400" dirty="0">
+              <a:latin typeface="Segoe UI Semibold"/>
+            </a:endParaRPr>
+          </a:p>
+          <a:p>
+            <a:pPr marL="0" marR="0" lvl="0" indent="0" algn="l" defTabSz="914367" rtl="0" eaLnBrk="1" fontAlgn="auto" latinLnBrk="0" hangingPunct="1">
+              <a:lnSpc>
+                <a:spcPct val="100000"/>
+              </a:lnSpc>
+              <a:spcBef>
+                <a:spcPts val="0"/>
+              </a:spcBef>
+              <a:spcAft>
+                <a:spcPts val="0"/>
+              </a:spcAft>
+              <a:buClrTx/>
+              <a:buSzTx/>
+              <a:buFontTx/>
+              <a:buNone/>
+              <a:tabLst/>
+              <a:defRPr/>
+            </a:pPr>
+            <a:r>
+              <a:rPr kumimoji="0" lang="en-US" sz="2400" b="0" i="0" u="none" strike="noStrike" kern="1200" cap="none" spc="0" normalizeH="0" baseline="0" noProof="0" dirty="0">
+                <a:ln>
+                  <a:noFill/>
+                </a:ln>
+                <a:effectLst/>
+                <a:uLnTx/>
+                <a:uFillTx/>
+                <a:latin typeface="Segoe UI Semibold"/>
+                <a:ea typeface="+mn-ea"/>
+                <a:cs typeface="+mn-cs"/>
+                <a:hlinkClick r:id="rId2"/>
+              </a:rPr>
+              <a:t>https://github.com/Katerina-Chernevskaya/ICJ</a:t>
+            </a:r>
+            <a:endParaRPr kumimoji="0" lang="en-US" sz="2400" b="0" i="0" u="none" strike="noStrike" kern="1200" cap="none" spc="0" normalizeH="0" baseline="0" noProof="0" dirty="0">
+              <a:ln>
+                <a:noFill/>
+              </a:ln>
+              <a:effectLst/>
+              <a:uLnTx/>
+              <a:uFillTx/>
+              <a:latin typeface="Segoe UI Semibold"/>
+              <a:ea typeface="+mn-ea"/>
+              <a:cs typeface="+mn-cs"/>
+            </a:endParaRPr>
+          </a:p>
+          <a:p>
+            <a:pPr marL="0" marR="0" lvl="0" indent="0" algn="l" defTabSz="914367" rtl="0" eaLnBrk="1" fontAlgn="auto" latinLnBrk="0" hangingPunct="1">
+              <a:lnSpc>
+                <a:spcPct val="100000"/>
+              </a:lnSpc>
+              <a:spcBef>
+                <a:spcPts val="0"/>
+              </a:spcBef>
+              <a:spcAft>
+                <a:spcPts val="0"/>
+              </a:spcAft>
+              <a:buClrTx/>
+              <a:buSzTx/>
+              <a:buFontTx/>
+              <a:buNone/>
+              <a:tabLst/>
+              <a:defRPr/>
+            </a:pPr>
+            <a:endParaRPr kumimoji="0" lang="en-US" sz="2400" b="0" i="0" u="none" strike="noStrike" kern="1200" cap="none" spc="0" normalizeH="0" baseline="0" noProof="0" dirty="0">
+              <a:ln>
+                <a:noFill/>
+              </a:ln>
+              <a:solidFill>
+                <a:srgbClr val="FFFFFF"/>
+              </a:solidFill>
+              <a:effectLst/>
+              <a:uLnTx/>
+              <a:uFillTx/>
+              <a:latin typeface="Calibri" panose="020F0502020204030204" pitchFamily="34" charset="0"/>
+              <a:ea typeface="Times New Roman" panose="02020603050405020304" pitchFamily="18" charset="0"/>
+              <a:cs typeface="Times New Roman" panose="02020603050405020304" pitchFamily="18" charset="0"/>
+            </a:endParaRPr>
+          </a:p>
+        </p:txBody>
+      </p:sp>
+      <p:sp>
+        <p:nvSpPr>
+          <p:cNvPr id="2" name="Title 1">
+            <a:extLst>
+              <a:ext uri="{FF2B5EF4-FFF2-40B4-BE49-F238E27FC236}">
+                <a16:creationId xmlns:a16="http://schemas.microsoft.com/office/drawing/2014/main" id="{F0C05E53-5201-B44C-A02F-5E30440E8548}"/>
+              </a:ext>
+            </a:extLst>
+          </p:cNvPr>
+          <p:cNvSpPr>
+            <a:spLocks noGrp="1"/>
+          </p:cNvSpPr>
+          <p:nvPr>
+            <p:ph type="title"/>
+          </p:nvPr>
+        </p:nvSpPr>
+        <p:spPr/>
+        <p:txBody>
+          <a:bodyPr/>
+          <a:lstStyle/>
+          <a:p>
+            <a:r>
+              <a:rPr lang="en-US" dirty="0"/>
+              <a:t>Materials</a:t>
+            </a:r>
+          </a:p>
+        </p:txBody>
+      </p:sp>
+    </p:spTree>
+    <p:extLst>
+      <p:ext uri="{BB962C8B-B14F-4D97-AF65-F5344CB8AC3E}">
+        <p14:creationId xmlns:p14="http://schemas.microsoft.com/office/powerpoint/2010/main" val="2263939531"/>
+      </p:ext>
+    </p:extLst>
+  </p:cSld>
+  <p:clrMapOvr>
+    <a:masterClrMapping/>
+  </p:clrMapOvr>
+  <p:transition>
+    <p:fade/>
+  </p:transition>
+</p:sld>
+</file>
+
+<file path=ppt/slides/slide45.xml><?xml version="1.0" encoding="utf-8"?>
+<p:sld xmlns:a="http://schemas.openxmlformats.org/drawingml/2006/main" xmlns:r="http://schemas.openxmlformats.org/officeDocument/2006/relationships" xmlns:p="http://schemas.openxmlformats.org/presentationml/2006/main">
+  <p:cSld>
+    <p:spTree>
+      <p:nvGrpSpPr>
+        <p:cNvPr id="1" name=""/>
+        <p:cNvGrpSpPr/>
+        <p:nvPr/>
+      </p:nvGrpSpPr>
+      <p:grpSpPr>
+        <a:xfrm>
+          <a:off x="0" y="0"/>
+          <a:ext cx="0" cy="0"/>
+          <a:chOff x="0" y="0"/>
+          <a:chExt cx="0" cy="0"/>
+        </a:xfrm>
+      </p:grpSpPr>
+      <p:sp>
+        <p:nvSpPr>
           <p:cNvPr id="11" name="TextBox 10">
             <a:extLst>
               <a:ext uri="{FF2B5EF4-FFF2-40B4-BE49-F238E27FC236}">
@@ -36681,7 +36910,7 @@
 </p:sld>
 </file>
 
-<file path=ppt/slides/slide45.xml><?xml version="1.0" encoding="utf-8"?>
+<file path=ppt/slides/slide46.xml><?xml version="1.0" encoding="utf-8"?>
 <p:sld xmlns:a="http://schemas.openxmlformats.org/drawingml/2006/main" xmlns:r="http://schemas.openxmlformats.org/officeDocument/2006/relationships" xmlns:p="http://schemas.openxmlformats.org/presentationml/2006/main">
   <p:cSld>
     <p:spTree>
